--- a/figures/Overlap as a function of perturbation.pptx
+++ b/figures/Overlap as a function of perturbation.pptx
@@ -10,6 +10,7 @@
     <p:sldId id="258" r:id="rId7"/>
     <p:sldId id="259" r:id="rId8"/>
     <p:sldId id="260" r:id="rId9"/>
+    <p:sldId id="261" r:id="rId10"/>
   </p:sldIdLst>
   <p:sldSz cx="12192000" cy="6858000"/>
   <p:notesSz cx="6858000" cy="9144000"/>
@@ -108,7 +109,135 @@
       </a:defRPr>
     </a:lvl9pPr>
   </p:defaultTextStyle>
+  <p:extLst>
+    <p:ext uri="{EFAFB233-063F-42B5-8137-9DF3F51BA10A}">
+      <p15:sldGuideLst xmlns:p15="http://schemas.microsoft.com/office/powerpoint/2012/main"/>
+    </p:ext>
+  </p:extLst>
 </p:presentation>
+</file>
+
+<file path=ppt/changesInfos/changesInfo1.xml><?xml version="1.0" encoding="utf-8"?>
+<pc:chgInfo xmlns:a="http://schemas.openxmlformats.org/drawingml/2006/main" xmlns:r="http://schemas.openxmlformats.org/officeDocument/2006/relationships" xmlns:ac="http://schemas.microsoft.com/office/drawing/2013/main/command" xmlns:pc="http://schemas.microsoft.com/office/powerpoint/2013/main/command">
+  <pc:docChgLst>
+    <pc:chgData name="Michael Kali" userId="fe1a532b-b951-4dbc-b80c-317666234601" providerId="ADAL" clId="{B6BF0AA5-8A53-4089-8847-1DD1F4E44CBC}"/>
+    <pc:docChg chg="custSel addSld modSld">
+      <pc:chgData name="Michael Kali" userId="fe1a532b-b951-4dbc-b80c-317666234601" providerId="ADAL" clId="{B6BF0AA5-8A53-4089-8847-1DD1F4E44CBC}" dt="2023-06-05T17:04:02.083" v="432" actId="1076"/>
+      <pc:docMkLst>
+        <pc:docMk/>
+      </pc:docMkLst>
+      <pc:sldChg chg="modSp">
+        <pc:chgData name="Michael Kali" userId="fe1a532b-b951-4dbc-b80c-317666234601" providerId="ADAL" clId="{B6BF0AA5-8A53-4089-8847-1DD1F4E44CBC}" dt="2023-06-05T16:02:26.539" v="54" actId="20577"/>
+        <pc:sldMkLst>
+          <pc:docMk/>
+          <pc:sldMk cId="3921367356" sldId="258"/>
+        </pc:sldMkLst>
+        <pc:spChg chg="mod">
+          <ac:chgData name="Michael Kali" userId="fe1a532b-b951-4dbc-b80c-317666234601" providerId="ADAL" clId="{B6BF0AA5-8A53-4089-8847-1DD1F4E44CBC}" dt="2023-06-05T16:02:26.539" v="54" actId="20577"/>
+          <ac:spMkLst>
+            <pc:docMk/>
+            <pc:sldMk cId="3921367356" sldId="258"/>
+            <ac:spMk id="13" creationId="{2FD0F8CD-B1A9-437A-B91F-127440115877}"/>
+          </ac:spMkLst>
+        </pc:spChg>
+      </pc:sldChg>
+      <pc:sldChg chg="addSp delSp modSp">
+        <pc:chgData name="Michael Kali" userId="fe1a532b-b951-4dbc-b80c-317666234601" providerId="ADAL" clId="{B6BF0AA5-8A53-4089-8847-1DD1F4E44CBC}" dt="2023-06-05T17:04:02.083" v="432" actId="1076"/>
+        <pc:sldMkLst>
+          <pc:docMk/>
+          <pc:sldMk cId="2079467934" sldId="260"/>
+        </pc:sldMkLst>
+        <pc:spChg chg="mod">
+          <ac:chgData name="Michael Kali" userId="fe1a532b-b951-4dbc-b80c-317666234601" providerId="ADAL" clId="{B6BF0AA5-8A53-4089-8847-1DD1F4E44CBC}" dt="2023-06-05T16:32:34.920" v="229" actId="6549"/>
+          <ac:spMkLst>
+            <pc:docMk/>
+            <pc:sldMk cId="2079467934" sldId="260"/>
+            <ac:spMk id="10" creationId="{71CFC67E-EABA-4A01-9EB3-6ED7A01A5A70}"/>
+          </ac:spMkLst>
+        </pc:spChg>
+        <pc:picChg chg="del">
+          <ac:chgData name="Michael Kali" userId="fe1a532b-b951-4dbc-b80c-317666234601" providerId="ADAL" clId="{B6BF0AA5-8A53-4089-8847-1DD1F4E44CBC}" dt="2023-06-05T17:00:30.329" v="409" actId="478"/>
+          <ac:picMkLst>
+            <pc:docMk/>
+            <pc:sldMk cId="2079467934" sldId="260"/>
+            <ac:picMk id="5" creationId="{43DD6D79-D74D-4B4D-AB69-0BC3D703F37E}"/>
+          </ac:picMkLst>
+        </pc:picChg>
+        <pc:picChg chg="add del mod modCrop">
+          <ac:chgData name="Michael Kali" userId="fe1a532b-b951-4dbc-b80c-317666234601" providerId="ADAL" clId="{B6BF0AA5-8A53-4089-8847-1DD1F4E44CBC}" dt="2023-06-05T17:00:38.705" v="412" actId="478"/>
+          <ac:picMkLst>
+            <pc:docMk/>
+            <pc:sldMk cId="2079467934" sldId="260"/>
+            <ac:picMk id="6" creationId="{095459D8-BEC4-4086-833B-25753068AFC4}"/>
+          </ac:picMkLst>
+        </pc:picChg>
+        <pc:picChg chg="del">
+          <ac:chgData name="Michael Kali" userId="fe1a532b-b951-4dbc-b80c-317666234601" providerId="ADAL" clId="{B6BF0AA5-8A53-4089-8847-1DD1F4E44CBC}" dt="2023-06-05T17:00:31.090" v="410" actId="478"/>
+          <ac:picMkLst>
+            <pc:docMk/>
+            <pc:sldMk cId="2079467934" sldId="260"/>
+            <ac:picMk id="7" creationId="{D910104D-CFCF-44FB-A054-B3E31362F57F}"/>
+          </ac:picMkLst>
+        </pc:picChg>
+        <pc:picChg chg="add mod modCrop">
+          <ac:chgData name="Michael Kali" userId="fe1a532b-b951-4dbc-b80c-317666234601" providerId="ADAL" clId="{B6BF0AA5-8A53-4089-8847-1DD1F4E44CBC}" dt="2023-06-05T17:01:16.294" v="424" actId="14100"/>
+          <ac:picMkLst>
+            <pc:docMk/>
+            <pc:sldMk cId="2079467934" sldId="260"/>
+            <ac:picMk id="8" creationId="{F35820C6-49D3-45EB-A3B2-038F74A92526}"/>
+          </ac:picMkLst>
+        </pc:picChg>
+        <pc:picChg chg="add mod modCrop">
+          <ac:chgData name="Michael Kali" userId="fe1a532b-b951-4dbc-b80c-317666234601" providerId="ADAL" clId="{B6BF0AA5-8A53-4089-8847-1DD1F4E44CBC}" dt="2023-06-05T17:01:19.360" v="425" actId="14100"/>
+          <ac:picMkLst>
+            <pc:docMk/>
+            <pc:sldMk cId="2079467934" sldId="260"/>
+            <ac:picMk id="13" creationId="{0AF09858-4676-4F11-986F-C8C0CB0755F7}"/>
+          </ac:picMkLst>
+        </pc:picChg>
+        <pc:picChg chg="add mod">
+          <ac:chgData name="Michael Kali" userId="fe1a532b-b951-4dbc-b80c-317666234601" providerId="ADAL" clId="{B6BF0AA5-8A53-4089-8847-1DD1F4E44CBC}" dt="2023-06-05T17:04:02.083" v="432" actId="1076"/>
+          <ac:picMkLst>
+            <pc:docMk/>
+            <pc:sldMk cId="2079467934" sldId="260"/>
+            <ac:picMk id="14" creationId="{1D0A60C0-AEB4-4F2C-8886-526EB33AED9C}"/>
+          </ac:picMkLst>
+        </pc:picChg>
+        <pc:cxnChg chg="add del mod">
+          <ac:chgData name="Michael Kali" userId="fe1a532b-b951-4dbc-b80c-317666234601" providerId="ADAL" clId="{B6BF0AA5-8A53-4089-8847-1DD1F4E44CBC}" dt="2023-06-05T17:00:42.633" v="415" actId="478"/>
+          <ac:cxnSpMkLst>
+            <pc:docMk/>
+            <pc:sldMk cId="2079467934" sldId="260"/>
+            <ac:cxnSpMk id="3" creationId="{1F763AE5-0E01-4E8F-B83A-0CEC433563CF}"/>
+          </ac:cxnSpMkLst>
+        </pc:cxnChg>
+        <pc:cxnChg chg="add del mod">
+          <ac:chgData name="Michael Kali" userId="fe1a532b-b951-4dbc-b80c-317666234601" providerId="ADAL" clId="{B6BF0AA5-8A53-4089-8847-1DD1F4E44CBC}" dt="2023-06-05T17:00:41.930" v="414" actId="478"/>
+          <ac:cxnSpMkLst>
+            <pc:docMk/>
+            <pc:sldMk cId="2079467934" sldId="260"/>
+            <ac:cxnSpMk id="11" creationId="{F87E9A81-1B1D-48A4-8CFC-1B1291900D81}"/>
+          </ac:cxnSpMkLst>
+        </pc:cxnChg>
+      </pc:sldChg>
+      <pc:sldChg chg="modSp add">
+        <pc:chgData name="Michael Kali" userId="fe1a532b-b951-4dbc-b80c-317666234601" providerId="ADAL" clId="{B6BF0AA5-8A53-4089-8847-1DD1F4E44CBC}" dt="2023-06-05T16:37:00.924" v="396" actId="20577"/>
+        <pc:sldMkLst>
+          <pc:docMk/>
+          <pc:sldMk cId="1044652007" sldId="261"/>
+        </pc:sldMkLst>
+        <pc:spChg chg="mod">
+          <ac:chgData name="Michael Kali" userId="fe1a532b-b951-4dbc-b80c-317666234601" providerId="ADAL" clId="{B6BF0AA5-8A53-4089-8847-1DD1F4E44CBC}" dt="2023-06-05T16:37:00.924" v="396" actId="20577"/>
+          <ac:spMkLst>
+            <pc:docMk/>
+            <pc:sldMk cId="1044652007" sldId="261"/>
+            <ac:spMk id="3" creationId="{CCC89240-F9D8-4076-867F-748174B1B134}"/>
+          </ac:spMkLst>
+        </pc:spChg>
+      </pc:sldChg>
+    </pc:docChg>
+  </pc:docChgLst>
+</pc:chgInfo>
 </file>
 
 <file path=ppt/slideLayouts/slideLayout1.xml><?xml version="1.0" encoding="utf-8"?>
@@ -3520,8 +3649,8 @@
           <a:chExt cx="0" cy="0"/>
         </a:xfrm>
       </p:grpSpPr>
-      <mc:AlternateContent xmlns:mc="http://schemas.openxmlformats.org/markup-compatibility/2006">
-        <mc:Choice xmlns:a14="http://schemas.microsoft.com/office/drawing/2010/main" Requires="a14">
+      <mc:AlternateContent xmlns:mc="http://schemas.openxmlformats.org/markup-compatibility/2006" xmlns:a14="http://schemas.microsoft.com/office/drawing/2010/main">
+        <mc:Choice Requires="a14">
           <p:sp>
             <p:nvSpPr>
               <p:cNvPr id="8" name="TextBox 7">
@@ -3735,7 +3864,7 @@
             </p:txBody>
           </p:sp>
         </mc:Choice>
-        <mc:Fallback>
+        <mc:Fallback xmlns="">
           <p:sp>
             <p:nvSpPr>
               <p:cNvPr id="8" name="TextBox 7">
@@ -4024,47 +4153,177 @@
           </a:prstGeom>
         </p:spPr>
       </p:pic>
-      <p:sp>
-        <p:nvSpPr>
-          <p:cNvPr id="13" name="TextBox 12">
-            <a:extLst>
-              <a:ext uri="{FF2B5EF4-FFF2-40B4-BE49-F238E27FC236}">
-                <a16:creationId xmlns:a16="http://schemas.microsoft.com/office/drawing/2014/main" id="{2FD0F8CD-B1A9-437A-B91F-127440115877}"/>
-              </a:ext>
-            </a:extLst>
-          </p:cNvPr>
-          <p:cNvSpPr txBox="1"/>
-          <p:nvPr/>
-        </p:nvSpPr>
-        <p:spPr>
-          <a:xfrm>
-            <a:off x="111369" y="1207478"/>
-            <a:ext cx="7061677" cy="646331"/>
-          </a:xfrm>
-          <a:prstGeom prst="rect">
-            <a:avLst/>
-          </a:prstGeom>
-          <a:noFill/>
-        </p:spPr>
-        <p:txBody>
-          <a:bodyPr wrap="none" rtlCol="0">
-            <a:spAutoFit/>
-          </a:bodyPr>
-          <a:lstStyle/>
-          <a:p>
-            <a:r>
-              <a:rPr lang="en-US" dirty="0"/>
-              <a:t>Here the NA of the left arm is changed (in the green graphs) by displacing</a:t>
-            </a:r>
-          </a:p>
-          <a:p>
-            <a:r>
-              <a:rPr lang="en-US" dirty="0"/>
-              <a:t>The right mirror in the x axis (the optical axis)</a:t>
-            </a:r>
-          </a:p>
-        </p:txBody>
-      </p:sp>
+      <mc:AlternateContent xmlns:mc="http://schemas.openxmlformats.org/markup-compatibility/2006">
+        <mc:Choice xmlns:a14="http://schemas.microsoft.com/office/drawing/2010/main" Requires="a14">
+          <p:sp>
+            <p:nvSpPr>
+              <p:cNvPr id="13" name="TextBox 12">
+                <a:extLst>
+                  <a:ext uri="{FF2B5EF4-FFF2-40B4-BE49-F238E27FC236}">
+                    <a16:creationId xmlns:a16="http://schemas.microsoft.com/office/drawing/2014/main" id="{2FD0F8CD-B1A9-437A-B91F-127440115877}"/>
+                  </a:ext>
+                </a:extLst>
+              </p:cNvPr>
+              <p:cNvSpPr txBox="1"/>
+              <p:nvPr/>
+            </p:nvSpPr>
+            <p:spPr>
+              <a:xfrm>
+                <a:off x="81290" y="431441"/>
+                <a:ext cx="7061677" cy="1200329"/>
+              </a:xfrm>
+              <a:prstGeom prst="rect">
+                <a:avLst/>
+              </a:prstGeom>
+              <a:noFill/>
+            </p:spPr>
+            <p:txBody>
+              <a:bodyPr wrap="none" rtlCol="0">
+                <a:spAutoFit/>
+              </a:bodyPr>
+              <a:lstStyle/>
+              <a:p>
+                <a:r>
+                  <a:rPr lang="en-US" dirty="0"/>
+                  <a:t>Here the NA of the left arm is changed (in the green graphs) by displacing</a:t>
+                </a:r>
+              </a:p>
+              <a:p>
+                <a:r>
+                  <a:rPr lang="en-US" dirty="0"/>
+                  <a:t>The right mirror in the x axis (the optical axis)</a:t>
+                </a:r>
+              </a:p>
+              <a:p>
+                <a:r>
+                  <a:rPr lang="en-US" dirty="0"/>
+                  <a:t>Short arm length</a:t>
+                </a:r>
+                <a14:m>
+                  <m:oMath xmlns:m="http://schemas.openxmlformats.org/officeDocument/2006/math">
+                    <m:r>
+                      <a:rPr lang="en-US" b="0" i="0" smtClean="0">
+                        <a:latin typeface="Cambria Math" panose="02040503050406030204" pitchFamily="18" charset="0"/>
+                      </a:rPr>
+                      <m:t>=</m:t>
+                    </m:r>
+                    <m:r>
+                      <a:rPr lang="en-US" b="0" i="1" smtClean="0">
+                        <a:latin typeface="Cambria Math" panose="02040503050406030204" pitchFamily="18" charset="0"/>
+                      </a:rPr>
+                      <m:t>0</m:t>
+                    </m:r>
+                    <m:r>
+                      <a:rPr lang="en-US" b="0" i="1" smtClean="0">
+                        <a:latin typeface="Cambria Math" panose="02040503050406030204" pitchFamily="18" charset="0"/>
+                      </a:rPr>
+                      <m:t>.</m:t>
+                    </m:r>
+                    <m:r>
+                      <a:rPr lang="en-US" b="0" i="1" smtClean="0">
+                        <a:latin typeface="Cambria Math" panose="02040503050406030204" pitchFamily="18" charset="0"/>
+                      </a:rPr>
+                      <m:t>1</m:t>
+                    </m:r>
+                    <m:r>
+                      <a:rPr lang="en-US" b="0" i="1" smtClean="0">
+                        <a:latin typeface="Cambria Math" panose="02040503050406030204" pitchFamily="18" charset="0"/>
+                      </a:rPr>
+                      <m:t>𝑚</m:t>
+                    </m:r>
+                  </m:oMath>
+                </a14:m>
+                <a:endParaRPr lang="en-US" b="0" dirty="0"/>
+              </a:p>
+              <a:p>
+                <a:r>
+                  <a:rPr lang="en-US" dirty="0"/>
+                  <a:t>Long arm length </a:t>
+                </a:r>
+                <a14:m>
+                  <m:oMath xmlns:m="http://schemas.openxmlformats.org/officeDocument/2006/math">
+                    <m:r>
+                      <a:rPr lang="en-US" b="0" i="1" smtClean="0">
+                        <a:latin typeface="Cambria Math" panose="02040503050406030204" pitchFamily="18" charset="0"/>
+                      </a:rPr>
+                      <m:t>=</m:t>
+                    </m:r>
+                    <m:r>
+                      <a:rPr lang="en-US" b="0" i="1" smtClean="0">
+                        <a:latin typeface="Cambria Math" panose="02040503050406030204" pitchFamily="18" charset="0"/>
+                      </a:rPr>
+                      <m:t>0</m:t>
+                    </m:r>
+                    <m:r>
+                      <a:rPr lang="en-US" b="0" i="1" smtClean="0">
+                        <a:latin typeface="Cambria Math" panose="02040503050406030204" pitchFamily="18" charset="0"/>
+                      </a:rPr>
+                      <m:t>.</m:t>
+                    </m:r>
+                    <m:r>
+                      <a:rPr lang="en-US" b="0" i="1" smtClean="0">
+                        <a:latin typeface="Cambria Math" panose="02040503050406030204" pitchFamily="18" charset="0"/>
+                      </a:rPr>
+                      <m:t>95</m:t>
+                    </m:r>
+                    <m:r>
+                      <a:rPr lang="en-US" b="0" i="1" smtClean="0">
+                        <a:latin typeface="Cambria Math" panose="02040503050406030204" pitchFamily="18" charset="0"/>
+                      </a:rPr>
+                      <m:t>𝑚</m:t>
+                    </m:r>
+                  </m:oMath>
+                </a14:m>
+                <a:endParaRPr lang="en-US" dirty="0"/>
+              </a:p>
+            </p:txBody>
+          </p:sp>
+        </mc:Choice>
+        <mc:Fallback>
+          <p:sp>
+            <p:nvSpPr>
+              <p:cNvPr id="13" name="TextBox 12">
+                <a:extLst>
+                  <a:ext uri="{FF2B5EF4-FFF2-40B4-BE49-F238E27FC236}">
+                    <a16:creationId xmlns:a16="http://schemas.microsoft.com/office/drawing/2014/main" id="{2FD0F8CD-B1A9-437A-B91F-127440115877}"/>
+                  </a:ext>
+                </a:extLst>
+              </p:cNvPr>
+              <p:cNvSpPr txBox="1">
+                <a:spLocks noRot="1" noChangeAspect="1" noMove="1" noResize="1" noEditPoints="1" noAdjustHandles="1" noChangeArrowheads="1" noChangeShapeType="1" noTextEdit="1"/>
+              </p:cNvSpPr>
+              <p:nvPr/>
+            </p:nvSpPr>
+            <p:spPr>
+              <a:xfrm>
+                <a:off x="81290" y="431441"/>
+                <a:ext cx="7061677" cy="1200329"/>
+              </a:xfrm>
+              <a:prstGeom prst="rect">
+                <a:avLst/>
+              </a:prstGeom>
+              <a:blipFill>
+                <a:blip r:embed="rId5"/>
+                <a:stretch>
+                  <a:fillRect l="-690" t="-3046" b="-7107"/>
+                </a:stretch>
+              </a:blipFill>
+            </p:spPr>
+            <p:txBody>
+              <a:bodyPr/>
+              <a:lstStyle/>
+              <a:p>
+                <a:r>
+                  <a:rPr lang="en-US">
+                    <a:noFill/>
+                  </a:rPr>
+                  <a:t> </a:t>
+                </a:r>
+              </a:p>
+            </p:txBody>
+          </p:sp>
+        </mc:Fallback>
+      </mc:AlternateContent>
     </p:spTree>
     <p:extLst>
       <p:ext uri="{BB962C8B-B14F-4D97-AF65-F5344CB8AC3E}">
@@ -4279,76 +4538,6 @@
       </p:grpSpPr>
       <p:pic>
         <p:nvPicPr>
-          <p:cNvPr id="5" name="Picture 4">
-            <a:extLst>
-              <a:ext uri="{FF2B5EF4-FFF2-40B4-BE49-F238E27FC236}">
-                <a16:creationId xmlns:a16="http://schemas.microsoft.com/office/drawing/2014/main" id="{43DD6D79-D74D-4B4D-AB69-0BC3D703F37E}"/>
-              </a:ext>
-            </a:extLst>
-          </p:cNvPr>
-          <p:cNvPicPr>
-            <a:picLocks noChangeAspect="1"/>
-          </p:cNvPicPr>
-          <p:nvPr/>
-        </p:nvPicPr>
-        <p:blipFill rotWithShape="1">
-          <a:blip r:embed="rId2">
-            <a:extLst>
-              <a:ext uri="{28A0092B-C50C-407E-A947-70E740481C1C}">
-                <a14:useLocalDpi xmlns:a14="http://schemas.microsoft.com/office/drawing/2010/main" val="0"/>
-              </a:ext>
-            </a:extLst>
-          </a:blip>
-          <a:srcRect r="28571"/>
-          <a:stretch/>
-        </p:blipFill>
-        <p:spPr>
-          <a:xfrm>
-            <a:off x="5128" y="2243893"/>
-            <a:ext cx="12186872" cy="1940821"/>
-          </a:xfrm>
-          <a:prstGeom prst="rect">
-            <a:avLst/>
-          </a:prstGeom>
-        </p:spPr>
-      </p:pic>
-      <p:pic>
-        <p:nvPicPr>
-          <p:cNvPr id="7" name="Picture 6">
-            <a:extLst>
-              <a:ext uri="{FF2B5EF4-FFF2-40B4-BE49-F238E27FC236}">
-                <a16:creationId xmlns:a16="http://schemas.microsoft.com/office/drawing/2014/main" id="{D910104D-CFCF-44FB-A054-B3E31362F57F}"/>
-              </a:ext>
-            </a:extLst>
-          </p:cNvPr>
-          <p:cNvPicPr>
-            <a:picLocks noChangeAspect="1"/>
-          </p:cNvPicPr>
-          <p:nvPr/>
-        </p:nvPicPr>
-        <p:blipFill rotWithShape="1">
-          <a:blip r:embed="rId3">
-            <a:extLst>
-              <a:ext uri="{28A0092B-C50C-407E-A947-70E740481C1C}">
-                <a14:useLocalDpi xmlns:a14="http://schemas.microsoft.com/office/drawing/2010/main" val="0"/>
-              </a:ext>
-            </a:extLst>
-          </a:blip>
-          <a:srcRect r="28571"/>
-          <a:stretch/>
-        </p:blipFill>
-        <p:spPr>
-          <a:xfrm>
-            <a:off x="0" y="4617002"/>
-            <a:ext cx="12186871" cy="1900808"/>
-          </a:xfrm>
-          <a:prstGeom prst="rect">
-            <a:avLst/>
-          </a:prstGeom>
-        </p:spPr>
-      </p:pic>
-      <p:pic>
-        <p:nvPicPr>
           <p:cNvPr id="9" name="Picture 8">
             <a:extLst>
               <a:ext uri="{FF2B5EF4-FFF2-40B4-BE49-F238E27FC236}">
@@ -4362,7 +4551,7 @@
           <p:nvPr/>
         </p:nvPicPr>
         <p:blipFill>
-          <a:blip r:embed="rId4">
+          <a:blip r:embed="rId2">
             <a:extLst>
               <a:ext uri="{28A0092B-C50C-407E-A947-70E740481C1C}">
                 <a14:useLocalDpi xmlns:a14="http://schemas.microsoft.com/office/drawing/2010/main" val="0"/>
@@ -4398,7 +4587,7 @@
         <p:spPr>
           <a:xfrm>
             <a:off x="308470" y="762000"/>
-            <a:ext cx="7061677" cy="923330"/>
+            <a:ext cx="6267037" cy="923330"/>
           </a:xfrm>
           <a:prstGeom prst="rect">
             <a:avLst/>
@@ -4413,33 +4602,594 @@
           <a:p>
             <a:r>
               <a:rPr lang="en-US" dirty="0"/>
-              <a:t>Here the NA of the left arm is changed (in the green graphs) by displacing</a:t>
-            </a:r>
-          </a:p>
-          <a:p>
-            <a:r>
-              <a:rPr lang="en-US"/>
-              <a:t>The right </a:t>
-            </a:r>
+              <a:t>Here the NA of the is changed (in the green graphs) by displacing</a:t>
+            </a:r>
+          </a:p>
+          <a:p>
             <a:r>
               <a:rPr lang="en-US" dirty="0"/>
-              <a:t>mirror in the x axis (the optical </a:t>
-            </a:r>
-            <a:r>
-              <a:rPr lang="en-US"/>
-              <a:t>axis).</a:t>
-            </a:r>
+              <a:t>The right mirror in the x axis (the optical axis).</a:t>
+            </a:r>
+          </a:p>
+          <a:p>
             <a:endParaRPr lang="en-US" dirty="0"/>
           </a:p>
-          <a:p>
-            <a:endParaRPr lang="en-US" dirty="0"/>
-          </a:p>
-        </p:txBody>
-      </p:sp>
+        </p:txBody>
+      </p:sp>
+      <p:pic>
+        <p:nvPicPr>
+          <p:cNvPr id="8" name="Picture 7">
+            <a:extLst>
+              <a:ext uri="{FF2B5EF4-FFF2-40B4-BE49-F238E27FC236}">
+                <a16:creationId xmlns:a16="http://schemas.microsoft.com/office/drawing/2014/main" id="{F35820C6-49D3-45EB-A3B2-038F74A92526}"/>
+              </a:ext>
+            </a:extLst>
+          </p:cNvPr>
+          <p:cNvPicPr>
+            <a:picLocks noChangeAspect="1"/>
+          </p:cNvPicPr>
+          <p:nvPr/>
+        </p:nvPicPr>
+        <p:blipFill rotWithShape="1">
+          <a:blip r:embed="rId3">
+            <a:extLst>
+              <a:ext uri="{28A0092B-C50C-407E-A947-70E740481C1C}">
+                <a14:useLocalDpi xmlns:a14="http://schemas.microsoft.com/office/drawing/2010/main" val="0"/>
+              </a:ext>
+            </a:extLst>
+          </a:blip>
+          <a:srcRect r="28643"/>
+          <a:stretch/>
+        </p:blipFill>
+        <p:spPr>
+          <a:xfrm>
+            <a:off x="0" y="2551463"/>
+            <a:ext cx="12192000" cy="1943581"/>
+          </a:xfrm>
+          <a:prstGeom prst="rect">
+            <a:avLst/>
+          </a:prstGeom>
+        </p:spPr>
+      </p:pic>
+      <p:pic>
+        <p:nvPicPr>
+          <p:cNvPr id="13" name="Picture 12">
+            <a:extLst>
+              <a:ext uri="{FF2B5EF4-FFF2-40B4-BE49-F238E27FC236}">
+                <a16:creationId xmlns:a16="http://schemas.microsoft.com/office/drawing/2014/main" id="{0AF09858-4676-4F11-986F-C8C0CB0755F7}"/>
+              </a:ext>
+            </a:extLst>
+          </p:cNvPr>
+          <p:cNvPicPr>
+            <a:picLocks noChangeAspect="1"/>
+          </p:cNvPicPr>
+          <p:nvPr/>
+        </p:nvPicPr>
+        <p:blipFill rotWithShape="1">
+          <a:blip r:embed="rId4">
+            <a:extLst>
+              <a:ext uri="{28A0092B-C50C-407E-A947-70E740481C1C}">
+                <a14:useLocalDpi xmlns:a14="http://schemas.microsoft.com/office/drawing/2010/main" val="0"/>
+              </a:ext>
+            </a:extLst>
+          </a:blip>
+          <a:srcRect r="28643"/>
+          <a:stretch/>
+        </p:blipFill>
+        <p:spPr>
+          <a:xfrm>
+            <a:off x="-1" y="4820441"/>
+            <a:ext cx="12191999" cy="1903511"/>
+          </a:xfrm>
+          <a:prstGeom prst="rect">
+            <a:avLst/>
+          </a:prstGeom>
+        </p:spPr>
+      </p:pic>
+      <p:pic>
+        <p:nvPicPr>
+          <p:cNvPr id="14" name="Picture 13">
+            <a:extLst>
+              <a:ext uri="{FF2B5EF4-FFF2-40B4-BE49-F238E27FC236}">
+                <a16:creationId xmlns:a16="http://schemas.microsoft.com/office/drawing/2014/main" id="{1D0A60C0-AEB4-4F2C-8886-526EB33AED9C}"/>
+              </a:ext>
+            </a:extLst>
+          </p:cNvPr>
+          <p:cNvPicPr>
+            <a:picLocks noChangeAspect="1"/>
+          </p:cNvPicPr>
+          <p:nvPr/>
+        </p:nvPicPr>
+        <p:blipFill>
+          <a:blip r:embed="rId5">
+            <a:extLst>
+              <a:ext uri="{28A0092B-C50C-407E-A947-70E740481C1C}">
+                <a14:useLocalDpi xmlns:a14="http://schemas.microsoft.com/office/drawing/2010/main" val="0"/>
+              </a:ext>
+            </a:extLst>
+          </a:blip>
+          <a:stretch>
+            <a:fillRect/>
+          </a:stretch>
+        </p:blipFill>
+        <p:spPr>
+          <a:xfrm>
+            <a:off x="0" y="2403803"/>
+            <a:ext cx="12192000" cy="2050394"/>
+          </a:xfrm>
+          <a:prstGeom prst="rect">
+            <a:avLst/>
+          </a:prstGeom>
+        </p:spPr>
+      </p:pic>
     </p:spTree>
     <p:extLst>
       <p:ext uri="{BB962C8B-B14F-4D97-AF65-F5344CB8AC3E}">
         <p14:creationId xmlns:p14="http://schemas.microsoft.com/office/powerpoint/2010/main" val="2079467934"/>
+      </p:ext>
+    </p:extLst>
+  </p:cSld>
+  <p:clrMapOvr>
+    <a:masterClrMapping/>
+  </p:clrMapOvr>
+</p:sld>
+</file>
+
+<file path=ppt/slides/slide6.xml><?xml version="1.0" encoding="utf-8"?>
+<p:sld xmlns:a="http://schemas.openxmlformats.org/drawingml/2006/main" xmlns:r="http://schemas.openxmlformats.org/officeDocument/2006/relationships" xmlns:p="http://schemas.openxmlformats.org/presentationml/2006/main">
+  <p:cSld>
+    <p:spTree>
+      <p:nvGrpSpPr>
+        <p:cNvPr id="1" name=""/>
+        <p:cNvGrpSpPr/>
+        <p:nvPr/>
+      </p:nvGrpSpPr>
+      <p:grpSpPr>
+        <a:xfrm>
+          <a:off x="0" y="0"/>
+          <a:ext cx="0" cy="0"/>
+          <a:chOff x="0" y="0"/>
+          <a:chExt cx="0" cy="0"/>
+        </a:xfrm>
+      </p:grpSpPr>
+      <p:sp>
+        <p:nvSpPr>
+          <p:cNvPr id="2" name="Title 1">
+            <a:extLst>
+              <a:ext uri="{FF2B5EF4-FFF2-40B4-BE49-F238E27FC236}">
+                <a16:creationId xmlns:a16="http://schemas.microsoft.com/office/drawing/2014/main" id="{8876ADC5-A799-4C23-A14E-7F340B2C5F5F}"/>
+              </a:ext>
+            </a:extLst>
+          </p:cNvPr>
+          <p:cNvSpPr>
+            <a:spLocks noGrp="1"/>
+          </p:cNvSpPr>
+          <p:nvPr>
+            <p:ph type="title"/>
+          </p:nvPr>
+        </p:nvSpPr>
+        <p:spPr/>
+        <p:txBody>
+          <a:bodyPr/>
+          <a:lstStyle/>
+          <a:p>
+            <a:endParaRPr lang="en-US"/>
+          </a:p>
+        </p:txBody>
+      </p:sp>
+      <mc:AlternateContent xmlns:mc="http://schemas.openxmlformats.org/markup-compatibility/2006">
+        <mc:Choice xmlns:a14="http://schemas.microsoft.com/office/drawing/2010/main" Requires="a14">
+          <p:sp>
+            <p:nvSpPr>
+              <p:cNvPr id="3" name="Content Placeholder 2">
+                <a:extLst>
+                  <a:ext uri="{FF2B5EF4-FFF2-40B4-BE49-F238E27FC236}">
+                    <a16:creationId xmlns:a16="http://schemas.microsoft.com/office/drawing/2014/main" id="{CCC89240-F9D8-4076-867F-748174B1B134}"/>
+                  </a:ext>
+                </a:extLst>
+              </p:cNvPr>
+              <p:cNvSpPr>
+                <a:spLocks noGrp="1"/>
+              </p:cNvSpPr>
+              <p:nvPr>
+                <p:ph idx="1"/>
+              </p:nvPr>
+            </p:nvSpPr>
+            <p:spPr/>
+            <p:txBody>
+              <a:bodyPr>
+                <a:normAutofit fontScale="92500" lnSpcReduction="20000"/>
+              </a:bodyPr>
+              <a:lstStyle/>
+              <a:p>
+                <a:r>
+                  <a:rPr lang="en-US" dirty="0"/>
+                  <a:t>For both cavities:</a:t>
+                </a:r>
+              </a:p>
+              <a:p>
+                <a:pPr lvl="1"/>
+                <a:r>
+                  <a:rPr lang="en-US" dirty="0"/>
+                  <a:t>NA</a:t>
+                </a:r>
+                <a14:m>
+                  <m:oMath xmlns:m="http://schemas.openxmlformats.org/officeDocument/2006/math">
+                    <m:r>
+                      <a:rPr lang="en-US" i="1">
+                        <a:latin typeface="Cambria Math" panose="02040503050406030204" pitchFamily="18" charset="0"/>
+                      </a:rPr>
+                      <m:t>∈</m:t>
+                    </m:r>
+                    <m:d>
+                      <m:dPr>
+                        <m:begChr m:val="["/>
+                        <m:endChr m:val="]"/>
+                        <m:ctrlPr>
+                          <a:rPr lang="en-US" i="1">
+                            <a:latin typeface="Cambria Math" panose="02040503050406030204" pitchFamily="18" charset="0"/>
+                          </a:rPr>
+                        </m:ctrlPr>
+                      </m:dPr>
+                      <m:e>
+                        <m:r>
+                          <a:rPr lang="en-US" i="1">
+                            <a:latin typeface="Cambria Math" panose="02040503050406030204" pitchFamily="18" charset="0"/>
+                          </a:rPr>
+                          <m:t>0</m:t>
+                        </m:r>
+                        <m:r>
+                          <a:rPr lang="en-US" i="1">
+                            <a:latin typeface="Cambria Math" panose="02040503050406030204" pitchFamily="18" charset="0"/>
+                          </a:rPr>
+                          <m:t>.</m:t>
+                        </m:r>
+                        <m:r>
+                          <a:rPr lang="en-US" i="1">
+                            <a:latin typeface="Cambria Math" panose="02040503050406030204" pitchFamily="18" charset="0"/>
+                          </a:rPr>
+                          <m:t>05</m:t>
+                        </m:r>
+                        <m:r>
+                          <a:rPr lang="en-US" i="1">
+                            <a:latin typeface="Cambria Math" panose="02040503050406030204" pitchFamily="18" charset="0"/>
+                          </a:rPr>
+                          <m:t>,</m:t>
+                        </m:r>
+                        <m:r>
+                          <a:rPr lang="en-US" i="1">
+                            <a:latin typeface="Cambria Math" panose="02040503050406030204" pitchFamily="18" charset="0"/>
+                          </a:rPr>
+                          <m:t>0</m:t>
+                        </m:r>
+                        <m:r>
+                          <a:rPr lang="en-US" i="1">
+                            <a:latin typeface="Cambria Math" panose="02040503050406030204" pitchFamily="18" charset="0"/>
+                          </a:rPr>
+                          <m:t>.</m:t>
+                        </m:r>
+                        <m:r>
+                          <a:rPr lang="en-US" i="1">
+                            <a:latin typeface="Cambria Math" panose="02040503050406030204" pitchFamily="18" charset="0"/>
+                          </a:rPr>
+                          <m:t>2</m:t>
+                        </m:r>
+                      </m:e>
+                    </m:d>
+                  </m:oMath>
+                </a14:m>
+                <a:endParaRPr lang="en-US" dirty="0"/>
+              </a:p>
+              <a:p>
+                <a:r>
+                  <a:rPr lang="en-US" dirty="0"/>
+                  <a:t>Fabry-Perot cavity:</a:t>
+                </a:r>
+              </a:p>
+              <a:p>
+                <a:pPr lvl="1"/>
+                <a:r>
+                  <a:rPr lang="en-US" dirty="0"/>
+                  <a:t>L</a:t>
+                </a:r>
+                <a14:m>
+                  <m:oMath xmlns:m="http://schemas.openxmlformats.org/officeDocument/2006/math">
+                    <m:r>
+                      <a:rPr lang="en-US" b="0" i="1" smtClean="0">
+                        <a:latin typeface="Cambria Math" panose="02040503050406030204" pitchFamily="18" charset="0"/>
+                      </a:rPr>
+                      <m:t>∈</m:t>
+                    </m:r>
+                    <m:d>
+                      <m:dPr>
+                        <m:begChr m:val="{"/>
+                        <m:endChr m:val="}"/>
+                        <m:ctrlPr>
+                          <a:rPr lang="en-US" b="0" i="1" smtClean="0">
+                            <a:latin typeface="Cambria Math" panose="02040503050406030204" pitchFamily="18" charset="0"/>
+                          </a:rPr>
+                        </m:ctrlPr>
+                      </m:dPr>
+                      <m:e>
+                        <m:r>
+                          <a:rPr lang="en-US" b="0" i="1" smtClean="0">
+                            <a:latin typeface="Cambria Math" panose="02040503050406030204" pitchFamily="18" charset="0"/>
+                          </a:rPr>
+                          <m:t>10</m:t>
+                        </m:r>
+                        <m:r>
+                          <a:rPr lang="en-US" b="0" i="1" smtClean="0">
+                            <a:latin typeface="Cambria Math" panose="02040503050406030204" pitchFamily="18" charset="0"/>
+                          </a:rPr>
+                          <m:t>𝑚𝑚</m:t>
+                        </m:r>
+                        <m:r>
+                          <a:rPr lang="en-US" b="0" i="1" smtClean="0">
+                            <a:latin typeface="Cambria Math" panose="02040503050406030204" pitchFamily="18" charset="0"/>
+                          </a:rPr>
+                          <m:t>,</m:t>
+                        </m:r>
+                        <m:r>
+                          <a:rPr lang="en-US" b="0" i="1" smtClean="0">
+                            <a:latin typeface="Cambria Math" panose="02040503050406030204" pitchFamily="18" charset="0"/>
+                          </a:rPr>
+                          <m:t>20</m:t>
+                        </m:r>
+                        <m:r>
+                          <a:rPr lang="en-US" b="0" i="1" smtClean="0">
+                            <a:latin typeface="Cambria Math" panose="02040503050406030204" pitchFamily="18" charset="0"/>
+                          </a:rPr>
+                          <m:t>𝑚𝑚</m:t>
+                        </m:r>
+                      </m:e>
+                    </m:d>
+                  </m:oMath>
+                </a14:m>
+                <a:endParaRPr lang="en-US" dirty="0"/>
+              </a:p>
+              <a:p>
+                <a:r>
+                  <a:rPr lang="en-US" dirty="0"/>
+                  <a:t>Two	mirrors and one lens:</a:t>
+                </a:r>
+              </a:p>
+              <a:p>
+                <a:pPr lvl="1"/>
+                <a14:m>
+                  <m:oMath xmlns:m="http://schemas.openxmlformats.org/officeDocument/2006/math">
+                    <m:sSub>
+                      <m:sSubPr>
+                        <m:ctrlPr>
+                          <a:rPr lang="en-US" b="0" i="1" smtClean="0">
+                            <a:latin typeface="Cambria Math" panose="02040503050406030204" pitchFamily="18" charset="0"/>
+                          </a:rPr>
+                        </m:ctrlPr>
+                      </m:sSubPr>
+                      <m:e>
+                        <m:r>
+                          <a:rPr lang="en-US" b="0" i="1" smtClean="0">
+                            <a:latin typeface="Cambria Math" panose="02040503050406030204" pitchFamily="18" charset="0"/>
+                          </a:rPr>
+                          <m:t>𝐿</m:t>
+                        </m:r>
+                      </m:e>
+                      <m:sub>
+                        <m:r>
+                          <a:rPr lang="en-US" b="0" i="1" smtClean="0">
+                            <a:latin typeface="Cambria Math" panose="02040503050406030204" pitchFamily="18" charset="0"/>
+                          </a:rPr>
+                          <m:t>𝑙𝑜𝑛𝑔</m:t>
+                        </m:r>
+                      </m:sub>
+                    </m:sSub>
+                    <m:r>
+                      <a:rPr lang="en-US" b="0" i="1" smtClean="0">
+                        <a:latin typeface="Cambria Math" panose="02040503050406030204" pitchFamily="18" charset="0"/>
+                      </a:rPr>
+                      <m:t>≈</m:t>
+                    </m:r>
+                    <m:r>
+                      <a:rPr lang="en-US" b="0" i="1" smtClean="0">
+                        <a:latin typeface="Cambria Math" panose="02040503050406030204" pitchFamily="18" charset="0"/>
+                      </a:rPr>
+                      <m:t>0</m:t>
+                    </m:r>
+                    <m:r>
+                      <a:rPr lang="en-US" b="0" i="1" smtClean="0">
+                        <a:latin typeface="Cambria Math" panose="02040503050406030204" pitchFamily="18" charset="0"/>
+                      </a:rPr>
+                      <m:t>.</m:t>
+                    </m:r>
+                    <m:r>
+                      <a:rPr lang="en-US" b="0" i="1" smtClean="0">
+                        <a:latin typeface="Cambria Math" panose="02040503050406030204" pitchFamily="18" charset="0"/>
+                      </a:rPr>
+                      <m:t>5</m:t>
+                    </m:r>
+                    <m:r>
+                      <a:rPr lang="en-US" b="0" i="1" smtClean="0">
+                        <a:latin typeface="Cambria Math" panose="02040503050406030204" pitchFamily="18" charset="0"/>
+                      </a:rPr>
+                      <m:t>𝑚</m:t>
+                    </m:r>
+                  </m:oMath>
+                </a14:m>
+                <a:endParaRPr lang="en-US" dirty="0"/>
+              </a:p>
+              <a:p>
+                <a:pPr lvl="1"/>
+                <a14:m>
+                  <m:oMath xmlns:m="http://schemas.openxmlformats.org/officeDocument/2006/math">
+                    <m:sSub>
+                      <m:sSubPr>
+                        <m:ctrlPr>
+                          <a:rPr lang="en-US" i="1">
+                            <a:latin typeface="Cambria Math" panose="02040503050406030204" pitchFamily="18" charset="0"/>
+                          </a:rPr>
+                        </m:ctrlPr>
+                      </m:sSubPr>
+                      <m:e>
+                        <m:r>
+                          <a:rPr lang="en-US" i="1">
+                            <a:latin typeface="Cambria Math" panose="02040503050406030204" pitchFamily="18" charset="0"/>
+                          </a:rPr>
+                          <m:t>𝐿</m:t>
+                        </m:r>
+                      </m:e>
+                      <m:sub>
+                        <m:r>
+                          <a:rPr lang="en-US" b="0" i="1" smtClean="0">
+                            <a:latin typeface="Cambria Math" panose="02040503050406030204" pitchFamily="18" charset="0"/>
+                          </a:rPr>
+                          <m:t>𝑠</m:t>
+                        </m:r>
+                        <m:r>
+                          <a:rPr lang="en-US" b="0" i="1" smtClean="0">
+                            <a:latin typeface="Cambria Math" panose="02040503050406030204" pitchFamily="18" charset="0"/>
+                          </a:rPr>
+                          <m:t>h</m:t>
+                        </m:r>
+                        <m:r>
+                          <a:rPr lang="en-US" b="0" i="1" smtClean="0">
+                            <a:latin typeface="Cambria Math" panose="02040503050406030204" pitchFamily="18" charset="0"/>
+                          </a:rPr>
+                          <m:t>𝑜𝑟𝑡</m:t>
+                        </m:r>
+                      </m:sub>
+                    </m:sSub>
+                    <m:r>
+                      <a:rPr lang="en-US" i="1">
+                        <a:latin typeface="Cambria Math" panose="02040503050406030204" pitchFamily="18" charset="0"/>
+                      </a:rPr>
+                      <m:t>∈</m:t>
+                    </m:r>
+                    <m:d>
+                      <m:dPr>
+                        <m:begChr m:val="{"/>
+                        <m:endChr m:val="}"/>
+                        <m:ctrlPr>
+                          <a:rPr lang="en-US" i="1">
+                            <a:latin typeface="Cambria Math" panose="02040503050406030204" pitchFamily="18" charset="0"/>
+                          </a:rPr>
+                        </m:ctrlPr>
+                      </m:dPr>
+                      <m:e>
+                        <m:r>
+                          <a:rPr lang="en-US" i="1">
+                            <a:latin typeface="Cambria Math" panose="02040503050406030204" pitchFamily="18" charset="0"/>
+                          </a:rPr>
+                          <m:t>10</m:t>
+                        </m:r>
+                        <m:r>
+                          <a:rPr lang="en-US" i="1">
+                            <a:latin typeface="Cambria Math" panose="02040503050406030204" pitchFamily="18" charset="0"/>
+                          </a:rPr>
+                          <m:t>𝑚𝑚</m:t>
+                        </m:r>
+                        <m:r>
+                          <a:rPr lang="en-US" i="1">
+                            <a:latin typeface="Cambria Math" panose="02040503050406030204" pitchFamily="18" charset="0"/>
+                          </a:rPr>
+                          <m:t>,</m:t>
+                        </m:r>
+                        <m:r>
+                          <a:rPr lang="en-US" i="1">
+                            <a:latin typeface="Cambria Math" panose="02040503050406030204" pitchFamily="18" charset="0"/>
+                          </a:rPr>
+                          <m:t>20</m:t>
+                        </m:r>
+                        <m:r>
+                          <a:rPr lang="en-US" i="1">
+                            <a:latin typeface="Cambria Math" panose="02040503050406030204" pitchFamily="18" charset="0"/>
+                          </a:rPr>
+                          <m:t>𝑚𝑚</m:t>
+                        </m:r>
+                      </m:e>
+                    </m:d>
+                  </m:oMath>
+                </a14:m>
+                <a:endParaRPr lang="en-US" dirty="0"/>
+              </a:p>
+              <a:p>
+                <a:pPr lvl="1"/>
+                <a:r>
+                  <a:rPr lang="en-US" dirty="0"/>
+                  <a:t>Control the NA by changing the left arm</a:t>
+                </a:r>
+              </a:p>
+              <a:p>
+                <a:r>
+                  <a:rPr lang="en-US" dirty="0"/>
+                  <a:t>Make graphs of both systems on the same axes.</a:t>
+                </a:r>
+              </a:p>
+              <a:p>
+                <a:r>
+                  <a:rPr lang="en-US" dirty="0"/>
+                  <a:t>Try log scale in x axis.</a:t>
+                </a:r>
+              </a:p>
+              <a:p>
+                <a:r>
+                  <a:rPr lang="en-US" dirty="0"/>
+                  <a:t>Add grid lines.</a:t>
+                </a:r>
+              </a:p>
+              <a:p>
+                <a:pPr lvl="1"/>
+                <a:endParaRPr lang="en-US" dirty="0"/>
+              </a:p>
+              <a:p>
+                <a:pPr lvl="1"/>
+                <a:endParaRPr lang="en-US" dirty="0"/>
+              </a:p>
+            </p:txBody>
+          </p:sp>
+        </mc:Choice>
+        <mc:Fallback>
+          <p:sp>
+            <p:nvSpPr>
+              <p:cNvPr id="3" name="Content Placeholder 2">
+                <a:extLst>
+                  <a:ext uri="{FF2B5EF4-FFF2-40B4-BE49-F238E27FC236}">
+                    <a16:creationId xmlns:a16="http://schemas.microsoft.com/office/drawing/2014/main" id="{CCC89240-F9D8-4076-867F-748174B1B134}"/>
+                  </a:ext>
+                </a:extLst>
+              </p:cNvPr>
+              <p:cNvSpPr>
+                <a:spLocks noGrp="1" noRot="1" noChangeAspect="1" noMove="1" noResize="1" noEditPoints="1" noAdjustHandles="1" noChangeArrowheads="1" noChangeShapeType="1" noTextEdit="1"/>
+              </p:cNvSpPr>
+              <p:nvPr>
+                <p:ph idx="1"/>
+              </p:nvPr>
+            </p:nvSpPr>
+            <p:spPr>
+              <a:blipFill>
+                <a:blip r:embed="rId2"/>
+                <a:stretch>
+                  <a:fillRect l="-928" t="-3501"/>
+                </a:stretch>
+              </a:blipFill>
+            </p:spPr>
+            <p:txBody>
+              <a:bodyPr/>
+              <a:lstStyle/>
+              <a:p>
+                <a:r>
+                  <a:rPr lang="en-US">
+                    <a:noFill/>
+                  </a:rPr>
+                  <a:t> </a:t>
+                </a:r>
+              </a:p>
+            </p:txBody>
+          </p:sp>
+        </mc:Fallback>
+      </mc:AlternateContent>
+    </p:spTree>
+    <p:extLst>
+      <p:ext uri="{BB962C8B-B14F-4D97-AF65-F5344CB8AC3E}">
+        <p14:creationId xmlns:p14="http://schemas.microsoft.com/office/powerpoint/2010/main" val="1044652007"/>
       </p:ext>
     </p:extLst>
   </p:cSld>
@@ -4745,6 +5495,23 @@
 </file>
 
 <file path=customXml/item1.xml><?xml version="1.0" encoding="utf-8"?>
+<p:properties xmlns:p="http://schemas.microsoft.com/office/2006/metadata/properties" xmlns:xsi="http://www.w3.org/2001/XMLSchema-instance" xmlns:pc="http://schemas.microsoft.com/office/infopath/2007/PartnerControls">
+  <documentManagement>
+    <_activity xmlns="584eacc6-2383-4792-a43b-90dda6e43e2d" xsi:nil="true"/>
+  </documentManagement>
+</p:properties>
+</file>
+
+<file path=customXml/item2.xml><?xml version="1.0" encoding="utf-8"?>
+<?mso-contentType ?>
+<FormTemplates xmlns="http://schemas.microsoft.com/sharepoint/v3/contenttype/forms">
+  <Display>DocumentLibraryForm</Display>
+  <Edit>DocumentLibraryForm</Edit>
+  <New>DocumentLibraryForm</New>
+</FormTemplates>
+</file>
+
+<file path=customXml/item3.xml><?xml version="1.0" encoding="utf-8"?>
 <ct:contentTypeSchema xmlns:ct="http://schemas.microsoft.com/office/2006/metadata/contentType" xmlns:ma="http://schemas.microsoft.com/office/2006/metadata/properties/metaAttributes" ct:_="" ma:_="" ma:contentTypeName="Document" ma:contentTypeID="0x01010089BC74D9B2D93B44ABB275D9C2952787" ma:contentTypeVersion="14" ma:contentTypeDescription="Create a new document." ma:contentTypeScope="" ma:versionID="054e7791e8d6a34cbe147612a3aa02ba">
   <xsd:schema xmlns:xsd="http://www.w3.org/2001/XMLSchema" xmlns:xs="http://www.w3.org/2001/XMLSchema" xmlns:p="http://schemas.microsoft.com/office/2006/metadata/properties" xmlns:ns3="584eacc6-2383-4792-a43b-90dda6e43e2d" xmlns:ns4="25331bf9-e08e-4054-a47b-55a981296790" targetNamespace="http://schemas.microsoft.com/office/2006/metadata/properties" ma:root="true" ma:fieldsID="91bf25063f6a75d29fdfcb79b3cf5e5f" ns3:_="" ns4:_="">
     <xsd:import namespace="584eacc6-2383-4792-a43b-90dda6e43e2d"/>
@@ -4973,24 +5740,32 @@
 </ct:contentTypeSchema>
 </file>
 
-<file path=customXml/item2.xml><?xml version="1.0" encoding="utf-8"?>
-<?mso-contentType ?>
-<FormTemplates xmlns="http://schemas.microsoft.com/sharepoint/v3/contenttype/forms">
-  <Display>DocumentLibraryForm</Display>
-  <Edit>DocumentLibraryForm</Edit>
-  <New>DocumentLibraryForm</New>
-</FormTemplates>
+<file path=customXml/itemProps1.xml><?xml version="1.0" encoding="utf-8"?>
+<ds:datastoreItem xmlns:ds="http://schemas.openxmlformats.org/officeDocument/2006/customXml" ds:itemID="{D74C6D2D-B322-44E1-867B-00F4AB56D791}">
+  <ds:schemaRefs>
+    <ds:schemaRef ds:uri="http://schemas.microsoft.com/office/2006/metadata/properties"/>
+    <ds:schemaRef ds:uri="http://purl.org/dc/terms/"/>
+    <ds:schemaRef ds:uri="http://schemas.microsoft.com/office/2006/documentManagement/types"/>
+    <ds:schemaRef ds:uri="http://purl.org/dc/elements/1.1/"/>
+    <ds:schemaRef ds:uri="25331bf9-e08e-4054-a47b-55a981296790"/>
+    <ds:schemaRef ds:uri="http://purl.org/dc/dcmitype/"/>
+    <ds:schemaRef ds:uri="http://schemas.openxmlformats.org/package/2006/metadata/core-properties"/>
+    <ds:schemaRef ds:uri="http://schemas.microsoft.com/office/infopath/2007/PartnerControls"/>
+    <ds:schemaRef ds:uri="584eacc6-2383-4792-a43b-90dda6e43e2d"/>
+    <ds:schemaRef ds:uri="http://www.w3.org/XML/1998/namespace"/>
+  </ds:schemaRefs>
+</ds:datastoreItem>
 </file>
 
-<file path=customXml/item3.xml><?xml version="1.0" encoding="utf-8"?>
-<p:properties xmlns:p="http://schemas.microsoft.com/office/2006/metadata/properties" xmlns:xsi="http://www.w3.org/2001/XMLSchema-instance" xmlns:pc="http://schemas.microsoft.com/office/infopath/2007/PartnerControls">
-  <documentManagement>
-    <_activity xmlns="584eacc6-2383-4792-a43b-90dda6e43e2d" xsi:nil="true"/>
-  </documentManagement>
-</p:properties>
+<file path=customXml/itemProps2.xml><?xml version="1.0" encoding="utf-8"?>
+<ds:datastoreItem xmlns:ds="http://schemas.openxmlformats.org/officeDocument/2006/customXml" ds:itemID="{ED2B8A29-DA95-4457-B854-9269F744EF12}">
+  <ds:schemaRefs>
+    <ds:schemaRef ds:uri="http://schemas.microsoft.com/sharepoint/v3/contenttype/forms"/>
+  </ds:schemaRefs>
+</ds:datastoreItem>
 </file>
 
-<file path=customXml/itemProps1.xml><?xml version="1.0" encoding="utf-8"?>
+<file path=customXml/itemProps3.xml><?xml version="1.0" encoding="utf-8"?>
 <ds:datastoreItem xmlns:ds="http://schemas.openxmlformats.org/officeDocument/2006/customXml" ds:itemID="{8C01F0D4-4CE7-44A4-8CF6-89271D70F826}">
   <ds:schemaRefs>
     <ds:schemaRef ds:uri="http://schemas.microsoft.com/office/2006/metadata/contentType"/>
@@ -5007,29 +5782,4 @@
     <ds:schemaRef ds:uri="http://schemas.microsoft.com/internal/obd"/>
   </ds:schemaRefs>
 </ds:datastoreItem>
-</file>
-
-<file path=customXml/itemProps2.xml><?xml version="1.0" encoding="utf-8"?>
-<ds:datastoreItem xmlns:ds="http://schemas.openxmlformats.org/officeDocument/2006/customXml" ds:itemID="{ED2B8A29-DA95-4457-B854-9269F744EF12}">
-  <ds:schemaRefs>
-    <ds:schemaRef ds:uri="http://schemas.microsoft.com/sharepoint/v3/contenttype/forms"/>
-  </ds:schemaRefs>
-</ds:datastoreItem>
-</file>
-
-<file path=customXml/itemProps3.xml><?xml version="1.0" encoding="utf-8"?>
-<ds:datastoreItem xmlns:ds="http://schemas.openxmlformats.org/officeDocument/2006/customXml" ds:itemID="{D74C6D2D-B322-44E1-867B-00F4AB56D791}">
-  <ds:schemaRefs>
-    <ds:schemaRef ds:uri="http://schemas.openxmlformats.org/package/2006/metadata/core-properties"/>
-    <ds:schemaRef ds:uri="http://schemas.microsoft.com/office/infopath/2007/PartnerControls"/>
-    <ds:schemaRef ds:uri="http://purl.org/dc/terms/"/>
-    <ds:schemaRef ds:uri="http://schemas.microsoft.com/office/2006/documentManagement/types"/>
-    <ds:schemaRef ds:uri="25331bf9-e08e-4054-a47b-55a981296790"/>
-    <ds:schemaRef ds:uri="584eacc6-2383-4792-a43b-90dda6e43e2d"/>
-    <ds:schemaRef ds:uri="http://www.w3.org/XML/1998/namespace"/>
-    <ds:schemaRef ds:uri="http://purl.org/dc/elements/1.1/"/>
-    <ds:schemaRef ds:uri="http://purl.org/dc/dcmitype/"/>
-    <ds:schemaRef ds:uri="http://schemas.microsoft.com/office/2006/metadata/properties"/>
-  </ds:schemaRefs>
-</ds:datastoreItem>
 </file>